--- a/课件/第四节课/python标准课件4节课.pptx
+++ b/课件/第四节课/python标准课件4节课.pptx
@@ -211,7 +211,7 @@
           <a:p>
             <a:fld id="{8433A6C2-DE8C-7E42-BA65-3FA1EC1B3076}" type="datetimeFigureOut">
               <a:rPr kumimoji="1" lang="zh-CN" altLang="en-US" smtClean="0"/>
-              <a:t>2018/4/14</a:t>
+              <a:t>2018/4/25</a:t>
             </a:fld>
             <a:endParaRPr kumimoji="1" lang="zh-CN" altLang="en-US"/>
           </a:p>
@@ -371,7 +371,7 @@
           <a:p>
             <a:fld id="{407B7494-D075-4932-B485-21A15FEF2165}" type="datetimeFigureOut">
               <a:rPr lang="zh-CN" altLang="en-US" smtClean="0"/>
-              <a:t>2018/4/14</a:t>
+              <a:t>2018/4/25</a:t>
             </a:fld>
             <a:endParaRPr lang="zh-CN" altLang="en-US"/>
           </a:p>
@@ -968,7 +968,7 @@
           <a:p>
             <a:fld id="{1E333D41-EAB8-40B2-B281-A120D466E23B}" type="datetimeFigureOut">
               <a:rPr lang="zh-CN" altLang="en-US" smtClean="0"/>
-              <a:t>2018/4/14</a:t>
+              <a:t>2018/4/25</a:t>
             </a:fld>
             <a:endParaRPr lang="zh-CN" altLang="en-US"/>
           </a:p>
@@ -1215,7 +1215,7 @@
           <a:p>
             <a:fld id="{1E333D41-EAB8-40B2-B281-A120D466E23B}" type="datetimeFigureOut">
               <a:rPr lang="zh-CN" altLang="en-US" smtClean="0"/>
-              <a:t>2018/4/14</a:t>
+              <a:t>2018/4/25</a:t>
             </a:fld>
             <a:endParaRPr lang="zh-CN" altLang="en-US"/>
           </a:p>
@@ -1378,7 +1378,7 @@
           <a:p>
             <a:fld id="{1E333D41-EAB8-40B2-B281-A120D466E23B}" type="datetimeFigureOut">
               <a:rPr lang="zh-CN" altLang="en-US" smtClean="0"/>
-              <a:t>2018/4/14</a:t>
+              <a:t>2018/4/25</a:t>
             </a:fld>
             <a:endParaRPr lang="zh-CN" altLang="en-US"/>
           </a:p>
@@ -1551,7 +1551,7 @@
           <a:p>
             <a:fld id="{1E333D41-EAB8-40B2-B281-A120D466E23B}" type="datetimeFigureOut">
               <a:rPr lang="zh-CN" altLang="en-US" smtClean="0"/>
-              <a:t>2018/4/14</a:t>
+              <a:t>2018/4/25</a:t>
             </a:fld>
             <a:endParaRPr lang="zh-CN" altLang="en-US"/>
           </a:p>
@@ -1736,7 +1736,7 @@
           <a:p>
             <a:fld id="{67DC8ECF-C17C-9547-9729-DC0BA14056B1}" type="datetimeFigureOut">
               <a:rPr kumimoji="1" lang="zh-CN" altLang="en-US" smtClean="0"/>
-              <a:t>2018/4/14</a:t>
+              <a:t>2018/4/25</a:t>
             </a:fld>
             <a:endParaRPr kumimoji="1" lang="zh-CN" altLang="en-US"/>
           </a:p>
@@ -1899,7 +1899,7 @@
           <a:p>
             <a:fld id="{67DC8ECF-C17C-9547-9729-DC0BA14056B1}" type="datetimeFigureOut">
               <a:rPr kumimoji="1" lang="zh-CN" altLang="en-US" smtClean="0"/>
-              <a:t>2018/4/14</a:t>
+              <a:t>2018/4/25</a:t>
             </a:fld>
             <a:endParaRPr kumimoji="1" lang="zh-CN" altLang="en-US"/>
           </a:p>
@@ -2139,7 +2139,7 @@
           <a:p>
             <a:fld id="{67DC8ECF-C17C-9547-9729-DC0BA14056B1}" type="datetimeFigureOut">
               <a:rPr kumimoji="1" lang="zh-CN" altLang="en-US" smtClean="0"/>
-              <a:t>2018/4/14</a:t>
+              <a:t>2018/4/25</a:t>
             </a:fld>
             <a:endParaRPr kumimoji="1" lang="zh-CN" altLang="en-US"/>
           </a:p>
@@ -2363,7 +2363,7 @@
           <a:p>
             <a:fld id="{67DC8ECF-C17C-9547-9729-DC0BA14056B1}" type="datetimeFigureOut">
               <a:rPr kumimoji="1" lang="zh-CN" altLang="en-US" smtClean="0"/>
-              <a:t>2018/4/14</a:t>
+              <a:t>2018/4/25</a:t>
             </a:fld>
             <a:endParaRPr kumimoji="1" lang="zh-CN" altLang="en-US"/>
           </a:p>
@@ -2722,7 +2722,7 @@
           <a:p>
             <a:fld id="{67DC8ECF-C17C-9547-9729-DC0BA14056B1}" type="datetimeFigureOut">
               <a:rPr kumimoji="1" lang="zh-CN" altLang="en-US" smtClean="0"/>
-              <a:t>2018/4/14</a:t>
+              <a:t>2018/4/25</a:t>
             </a:fld>
             <a:endParaRPr kumimoji="1" lang="zh-CN" altLang="en-US"/>
           </a:p>
@@ -2834,7 +2834,7 @@
           <a:p>
             <a:fld id="{67DC8ECF-C17C-9547-9729-DC0BA14056B1}" type="datetimeFigureOut">
               <a:rPr kumimoji="1" lang="zh-CN" altLang="en-US" smtClean="0"/>
-              <a:t>2018/4/14</a:t>
+              <a:t>2018/4/25</a:t>
             </a:fld>
             <a:endParaRPr kumimoji="1" lang="zh-CN" altLang="en-US"/>
           </a:p>
@@ -2924,7 +2924,7 @@
           <a:p>
             <a:fld id="{67DC8ECF-C17C-9547-9729-DC0BA14056B1}" type="datetimeFigureOut">
               <a:rPr kumimoji="1" lang="zh-CN" altLang="en-US" smtClean="0"/>
-              <a:t>2018/4/14</a:t>
+              <a:t>2018/4/25</a:t>
             </a:fld>
             <a:endParaRPr kumimoji="1" lang="zh-CN" altLang="en-US"/>
           </a:p>
@@ -3087,7 +3087,7 @@
           <a:p>
             <a:fld id="{1E333D41-EAB8-40B2-B281-A120D466E23B}" type="datetimeFigureOut">
               <a:rPr lang="zh-CN" altLang="en-US" smtClean="0"/>
-              <a:t>2018/4/14</a:t>
+              <a:t>2018/4/25</a:t>
             </a:fld>
             <a:endParaRPr lang="zh-CN" altLang="en-US"/>
           </a:p>
@@ -3357,7 +3357,7 @@
           <a:p>
             <a:fld id="{67DC8ECF-C17C-9547-9729-DC0BA14056B1}" type="datetimeFigureOut">
               <a:rPr kumimoji="1" lang="zh-CN" altLang="en-US" smtClean="0"/>
-              <a:t>2018/4/14</a:t>
+              <a:t>2018/4/25</a:t>
             </a:fld>
             <a:endParaRPr kumimoji="1" lang="zh-CN" altLang="en-US"/>
           </a:p>
@@ -3604,7 +3604,7 @@
           <a:p>
             <a:fld id="{67DC8ECF-C17C-9547-9729-DC0BA14056B1}" type="datetimeFigureOut">
               <a:rPr kumimoji="1" lang="zh-CN" altLang="en-US" smtClean="0"/>
-              <a:t>2018/4/14</a:t>
+              <a:t>2018/4/25</a:t>
             </a:fld>
             <a:endParaRPr kumimoji="1" lang="zh-CN" altLang="en-US"/>
           </a:p>
@@ -3767,7 +3767,7 @@
           <a:p>
             <a:fld id="{67DC8ECF-C17C-9547-9729-DC0BA14056B1}" type="datetimeFigureOut">
               <a:rPr kumimoji="1" lang="zh-CN" altLang="en-US" smtClean="0"/>
-              <a:t>2018/4/14</a:t>
+              <a:t>2018/4/25</a:t>
             </a:fld>
             <a:endParaRPr kumimoji="1" lang="zh-CN" altLang="en-US"/>
           </a:p>
@@ -3940,7 +3940,7 @@
           <a:p>
             <a:fld id="{67DC8ECF-C17C-9547-9729-DC0BA14056B1}" type="datetimeFigureOut">
               <a:rPr kumimoji="1" lang="zh-CN" altLang="en-US" smtClean="0"/>
-              <a:t>2018/4/14</a:t>
+              <a:t>2018/4/25</a:t>
             </a:fld>
             <a:endParaRPr kumimoji="1" lang="zh-CN" altLang="en-US"/>
           </a:p>
@@ -4180,7 +4180,7 @@
           <a:p>
             <a:fld id="{1E333D41-EAB8-40B2-B281-A120D466E23B}" type="datetimeFigureOut">
               <a:rPr lang="zh-CN" altLang="en-US" smtClean="0"/>
-              <a:t>2018/4/14</a:t>
+              <a:t>2018/4/25</a:t>
             </a:fld>
             <a:endParaRPr lang="zh-CN" altLang="en-US"/>
           </a:p>
@@ -4404,7 +4404,7 @@
           <a:p>
             <a:fld id="{1E333D41-EAB8-40B2-B281-A120D466E23B}" type="datetimeFigureOut">
               <a:rPr lang="zh-CN" altLang="en-US" smtClean="0"/>
-              <a:t>2018/4/14</a:t>
+              <a:t>2018/4/25</a:t>
             </a:fld>
             <a:endParaRPr lang="zh-CN" altLang="en-US"/>
           </a:p>
@@ -4763,7 +4763,7 @@
           <a:p>
             <a:fld id="{1E333D41-EAB8-40B2-B281-A120D466E23B}" type="datetimeFigureOut">
               <a:rPr lang="zh-CN" altLang="en-US" smtClean="0"/>
-              <a:t>2018/4/14</a:t>
+              <a:t>2018/4/25</a:t>
             </a:fld>
             <a:endParaRPr lang="zh-CN" altLang="en-US"/>
           </a:p>
@@ -4875,7 +4875,7 @@
           <a:p>
             <a:fld id="{1E333D41-EAB8-40B2-B281-A120D466E23B}" type="datetimeFigureOut">
               <a:rPr lang="zh-CN" altLang="en-US" smtClean="0"/>
-              <a:t>2018/4/14</a:t>
+              <a:t>2018/4/25</a:t>
             </a:fld>
             <a:endParaRPr lang="zh-CN" altLang="en-US"/>
           </a:p>
@@ -5567,7 +5567,7 @@
           <a:p>
             <a:fld id="{1E333D41-EAB8-40B2-B281-A120D466E23B}" type="datetimeFigureOut">
               <a:rPr lang="zh-CN" altLang="en-US" smtClean="0"/>
-              <a:t>2018/4/14</a:t>
+              <a:t>2018/4/25</a:t>
             </a:fld>
             <a:endParaRPr lang="zh-CN" altLang="en-US"/>
           </a:p>
@@ -5773,7 +5773,7 @@
           <a:p>
             <a:fld id="{F969584D-572C-6B44-88BE-488C33AA6CF5}" type="datetimeFigureOut">
               <a:rPr kumimoji="1" lang="zh-CN" altLang="en-US" smtClean="0"/>
-              <a:t>2018/4/14</a:t>
+              <a:t>2018/4/25</a:t>
             </a:fld>
             <a:endParaRPr kumimoji="1" lang="zh-CN" altLang="en-US"/>
           </a:p>
@@ -6891,7 +6891,7 @@
           <a:p>
             <a:fld id="{1E333D41-EAB8-40B2-B281-A120D466E23B}" type="datetimeFigureOut">
               <a:rPr lang="zh-CN" altLang="en-US" smtClean="0"/>
-              <a:t>2018/4/14</a:t>
+              <a:t>2018/4/25</a:t>
             </a:fld>
             <a:endParaRPr lang="zh-CN" altLang="en-US"/>
           </a:p>
@@ -7425,7 +7425,7 @@
           <a:p>
             <a:fld id="{67DC8ECF-C17C-9547-9729-DC0BA14056B1}" type="datetimeFigureOut">
               <a:rPr kumimoji="1" lang="zh-CN" altLang="en-US" smtClean="0"/>
-              <a:t>2018/4/14</a:t>
+              <a:t>2018/4/25</a:t>
             </a:fld>
             <a:endParaRPr kumimoji="1" lang="zh-CN" altLang="en-US"/>
           </a:p>
@@ -8501,7 +8501,7 @@
         </p:nvSpPr>
         <p:spPr>
           <a:xfrm>
-            <a:off x="0" y="0"/>
+            <a:off x="-487564" y="-93348"/>
             <a:ext cx="12192000" cy="6858000"/>
           </a:xfrm>
           <a:prstGeom prst="rect">
